--- a/mlu-mlta/Lessons/DEV_MLUMLA-EN-M2-L5.pptx
+++ b/mlu-mlta/Lessons/DEV_MLUMLA-EN-M2-L5.pptx
@@ -2775,7 +2775,7 @@
           <a:p>
             <a:fld id="{2CCDD080-B646-4460-8FDD-607686787730}" type="datetimeFigureOut">
               <a:rPr lang="en-US" smtClean="0"/>
-              <a:t>5/9/25</a:t>
+              <a:t>6/30/25</a:t>
             </a:fld>
             <a:endParaRPr lang="en-US" dirty="0"/>
           </a:p>
@@ -6009,7 +6009,7 @@
           <a:p>
             <a:fld id="{27381C51-544F-5F41-B855-A6E9F32FD21C}" type="datetimeFigureOut">
               <a:rPr lang="en-US" smtClean="0"/>
-              <a:t>5/9/25</a:t>
+              <a:t>6/30/25</a:t>
             </a:fld>
             <a:endParaRPr lang="en-US"/>
           </a:p>
@@ -9681,7 +9681,7 @@
           <a:p>
             <a:fld id="{27381C51-544F-5F41-B855-A6E9F32FD21C}" type="datetimeFigureOut">
               <a:rPr lang="en-US" smtClean="0"/>
-              <a:t>5/9/25</a:t>
+              <a:t>6/30/25</a:t>
             </a:fld>
             <a:endParaRPr lang="en-US"/>
           </a:p>
@@ -26665,12 +26665,12 @@
         <p:spPr/>
         <p:txBody>
           <a:bodyPr>
-            <a:normAutofit fontScale="90000"/>
+            <a:noAutofit/>
           </a:bodyPr>
           <a:lstStyle/>
           <a:p>
             <a:r>
-              <a:rPr lang="en-US" dirty="0"/>
+              <a:rPr lang="en-US" sz="3200" dirty="0"/>
               <a:t>Different solutions have different hyperparameters</a:t>
             </a:r>
           </a:p>
